--- a/solutions/google/cloud/landing-zone/presales/solution-briefing.pptx
+++ b/solutions/google/cloud/landing-zone/presales/solution-briefing.pptx
@@ -118,6 +118,9 @@
     <p:ext uri="{EFAFB233-063F-42B5-8137-9DF3F51BA10A}">
       <p15:sldGuideLst xmlns:p15="http://schemas.microsoft.com/office/powerpoint/2012/main"/>
     </p:ext>
+    <p:ext uri="{2D200454-40CA-4A62-9FC3-DE9A4176ACB9}">
+      <p15:notesGuideLst xmlns:p15="http://schemas.microsoft.com/office/powerpoint/2012/main"/>
+    </p:ext>
   </p:extLst>
 </p:presentation>
 </file>
@@ -144,6 +147,59 @@
           <a:chExt cx="0" cy="0"/>
         </a:xfrm>
       </p:grpSpPr>
+      <p:sp>
+        <p:nvSpPr>
+          <p:cNvPr id="2" name="Slide Image Placeholder 1"/>
+          <p:cNvSpPr>
+            <a:spLocks noGrp="1" noRot="1" noChangeAspect="1"/>
+          </p:cNvSpPr>
+          <p:nvPr>
+            <p:ph type="sldImg"/>
+          </p:nvPr>
+        </p:nvSpPr>
+        <p:spPr>
+          <a:xfrm>
+            <a:off x="-171450" y="1143000"/>
+            <a:ext cx="5486400" cy="3086100"/>
+          </a:xfrm>
+          <a:prstGeom prst="rect">
+            <a:avLst/>
+          </a:prstGeom>
+          <a:noFill/>
+          <a:ln w="12700">
+            <a:solidFill>
+              <a:prstClr val="black"/>
+            </a:solidFill>
+          </a:ln>
+        </p:spPr>
+      </p:sp>
+      <p:sp>
+        <p:nvSpPr>
+          <p:cNvPr id="3" name="Notes Placeholder 2"/>
+          <p:cNvSpPr>
+            <a:spLocks noGrp="1"/>
+          </p:cNvSpPr>
+          <p:nvPr>
+            <p:ph type="body" idx="1"/>
+          </p:nvPr>
+        </p:nvSpPr>
+        <p:spPr>
+          <a:xfrm>
+            <a:off x="514350" y="4400550"/>
+            <a:ext cx="4114800" cy="3600450"/>
+          </a:xfrm>
+          <a:prstGeom prst="rect">
+            <a:avLst/>
+          </a:prstGeom>
+        </p:spPr>
+        <p:txBody>
+          <a:bodyPr/>
+          <a:lstStyle/>
+          <a:p>
+            <a:endParaRPr lang="en-US"/>
+          </a:p>
+        </p:txBody>
+      </p:sp>
     </p:spTree>
     <p:extLst>
       <p:ext uri="{BB962C8B-B14F-4D97-AF65-F5344CB8AC3E}">

--- a/solutions/google/cloud/landing-zone/presales/solution-briefing.pptx
+++ b/solutions/google/cloud/landing-zone/presales/solution-briefing.pptx
@@ -5645,7 +5645,7 @@
               <a:t>Client:</a:t>
             </a:r>
             <a:r>
-              <a:t> Regional bank with $50B assets expanding digital banking across 8 states</a:t>
+              <a:t> Regional bank with $50B assets across 8 states</a:t>
             </a:r>
           </a:p>
           <a:p>
@@ -5665,7 +5665,7 @@
               <a:t>Solution:</a:t>
             </a:r>
             <a:r>
-              <a:t> Deployed Google Cloud Landing Zone with Cloud Foundation Toolkit Terraform automation. Implemented Shared VPC hub-spoke network and Security Command Center Premium. Established self-service project provisioning with enforced security policies.</a:t>
+              <a:t> Deployed Cloud Landing Zone with Terraform automation and Security Command Center Premium.</a:t>
             </a:r>
           </a:p>
           <a:p>
@@ -5675,7 +5675,7 @@
               <a:t>Results:</a:t>
             </a:r>
             <a:r>
-              <a:t> 95% reduction in provisioning time (6 weeks to 4 hours) and zero security misconfigurations in 6 months. $3.8M annual savings from reduced manual work and security incidents. SOC 2 and PCI-DSS compliance achieved with 100% audit pass rate. Full ROI in 14 months.</a:t>
+              <a:t> 95% faster provisioning (6 weeks to 4 hours). Zero security misconfigurations. $3.8M annual savings. SOC 2 and PCI-DSS compliance achieved. Full ROI in 14 months.</a:t>
             </a:r>
           </a:p>
           <a:p>

--- a/solutions/google/cloud/landing-zone/presales/solution-briefing.pptx
+++ b/solutions/google/cloud/landing-zone/presales/solution-briefing.pptx
@@ -693,6 +693,39 @@
       </p:grpSpPr>
       <p:sp>
         <p:nvSpPr>
+          <p:cNvPr id="12" name="Picture Placeholder 13">
+            <a:extLst>
+              <a:ext uri="{FF2B5EF4-FFF2-40B4-BE49-F238E27FC236}">
+                <a16:creationId xmlns:a16="http://schemas.microsoft.com/office/drawing/2014/main" id="{2DB97592-C4D5-B315-7F11-AA14F6EE8A62}"/>
+              </a:ext>
+            </a:extLst>
+          </p:cNvPr>
+          <p:cNvSpPr>
+            <a:spLocks noGrp="1"/>
+          </p:cNvSpPr>
+          <p:nvPr>
+            <p:ph type="pic" sz="quarter" idx="13"/>
+          </p:nvPr>
+        </p:nvSpPr>
+        <p:spPr>
+          <a:xfrm>
+            <a:off x="313593" y="4536078"/>
+            <a:ext cx="2143858" cy="529698"/>
+          </a:xfrm>
+          <a:prstGeom prst="rect">
+            <a:avLst/>
+          </a:prstGeom>
+        </p:spPr>
+        <p:txBody>
+          <a:bodyPr/>
+          <a:lstStyle/>
+          <a:p>
+            <a:endParaRPr lang="en-US" dirty="0"/>
+          </a:p>
+        </p:txBody>
+      </p:sp>
+      <p:sp>
+        <p:nvSpPr>
           <p:cNvPr id="3" name="Shape 1">
             <a:extLst>
               <a:ext uri="{FF2B5EF4-FFF2-40B4-BE49-F238E27FC236}">
@@ -782,39 +815,6 @@
               <a:rPr lang="en-US" dirty="0"/>
               <a:t>Slide Title</a:t>
             </a:r>
-          </a:p>
-        </p:txBody>
-      </p:sp>
-      <p:sp>
-        <p:nvSpPr>
-          <p:cNvPr id="12" name="Picture Placeholder 13">
-            <a:extLst>
-              <a:ext uri="{FF2B5EF4-FFF2-40B4-BE49-F238E27FC236}">
-                <a16:creationId xmlns:a16="http://schemas.microsoft.com/office/drawing/2014/main" id="{2DB97592-C4D5-B315-7F11-AA14F6EE8A62}"/>
-              </a:ext>
-            </a:extLst>
-          </p:cNvPr>
-          <p:cNvSpPr>
-            <a:spLocks noGrp="1"/>
-          </p:cNvSpPr>
-          <p:nvPr>
-            <p:ph type="pic" sz="quarter" idx="13"/>
-          </p:nvPr>
-        </p:nvSpPr>
-        <p:spPr>
-          <a:xfrm>
-            <a:off x="313593" y="4536078"/>
-            <a:ext cx="2143858" cy="529698"/>
-          </a:xfrm>
-          <a:prstGeom prst="rect">
-            <a:avLst/>
-          </a:prstGeom>
-        </p:spPr>
-        <p:txBody>
-          <a:bodyPr/>
-          <a:lstStyle/>
-          <a:p>
-            <a:endParaRPr lang="en-US" dirty="0"/>
           </a:p>
         </p:txBody>
       </p:sp>
@@ -971,6 +971,39 @@
       </p:grpSpPr>
       <p:sp>
         <p:nvSpPr>
+          <p:cNvPr id="12" name="Picture Placeholder 13">
+            <a:extLst>
+              <a:ext uri="{FF2B5EF4-FFF2-40B4-BE49-F238E27FC236}">
+                <a16:creationId xmlns:a16="http://schemas.microsoft.com/office/drawing/2014/main" id="{2DB97592-C4D5-B315-7F11-AA14F6EE8A62}"/>
+              </a:ext>
+            </a:extLst>
+          </p:cNvPr>
+          <p:cNvSpPr>
+            <a:spLocks noGrp="1"/>
+          </p:cNvSpPr>
+          <p:nvPr>
+            <p:ph type="pic" sz="quarter" idx="13"/>
+          </p:nvPr>
+        </p:nvSpPr>
+        <p:spPr>
+          <a:xfrm>
+            <a:off x="313593" y="4536078"/>
+            <a:ext cx="2143858" cy="529698"/>
+          </a:xfrm>
+          <a:prstGeom prst="rect">
+            <a:avLst/>
+          </a:prstGeom>
+        </p:spPr>
+        <p:txBody>
+          <a:bodyPr/>
+          <a:lstStyle/>
+          <a:p>
+            <a:endParaRPr lang="en-US" dirty="0"/>
+          </a:p>
+        </p:txBody>
+      </p:sp>
+      <p:sp>
+        <p:nvSpPr>
           <p:cNvPr id="3" name="Shape 1">
             <a:extLst>
               <a:ext uri="{FF2B5EF4-FFF2-40B4-BE49-F238E27FC236}">
@@ -1060,39 +1093,6 @@
               <a:rPr lang="en-US" dirty="0"/>
               <a:t>Bullet Points</a:t>
             </a:r>
-          </a:p>
-        </p:txBody>
-      </p:sp>
-      <p:sp>
-        <p:nvSpPr>
-          <p:cNvPr id="12" name="Picture Placeholder 13">
-            <a:extLst>
-              <a:ext uri="{FF2B5EF4-FFF2-40B4-BE49-F238E27FC236}">
-                <a16:creationId xmlns:a16="http://schemas.microsoft.com/office/drawing/2014/main" id="{2DB97592-C4D5-B315-7F11-AA14F6EE8A62}"/>
-              </a:ext>
-            </a:extLst>
-          </p:cNvPr>
-          <p:cNvSpPr>
-            <a:spLocks noGrp="1"/>
-          </p:cNvSpPr>
-          <p:nvPr>
-            <p:ph type="pic" sz="quarter" idx="13"/>
-          </p:nvPr>
-        </p:nvSpPr>
-        <p:spPr>
-          <a:xfrm>
-            <a:off x="313593" y="4536078"/>
-            <a:ext cx="2143858" cy="529698"/>
-          </a:xfrm>
-          <a:prstGeom prst="rect">
-            <a:avLst/>
-          </a:prstGeom>
-        </p:spPr>
-        <p:txBody>
-          <a:bodyPr/>
-          <a:lstStyle/>
-          <a:p>
-            <a:endParaRPr lang="en-US" dirty="0"/>
           </a:p>
         </p:txBody>
       </p:sp>
@@ -1235,6 +1235,39 @@
       </p:grpSpPr>
       <p:sp>
         <p:nvSpPr>
+          <p:cNvPr id="10" name="Picture Placeholder 13">
+            <a:extLst>
+              <a:ext uri="{FF2B5EF4-FFF2-40B4-BE49-F238E27FC236}">
+                <a16:creationId xmlns:a16="http://schemas.microsoft.com/office/drawing/2014/main" id="{6A0FA445-7602-F06E-EC73-5504EBF827CC}"/>
+              </a:ext>
+            </a:extLst>
+          </p:cNvPr>
+          <p:cNvSpPr>
+            <a:spLocks noGrp="1"/>
+          </p:cNvSpPr>
+          <p:nvPr>
+            <p:ph type="pic" sz="quarter" idx="14"/>
+          </p:nvPr>
+        </p:nvSpPr>
+        <p:spPr>
+          <a:xfrm>
+            <a:off x="313592" y="4536078"/>
+            <a:ext cx="2121877" cy="529698"/>
+          </a:xfrm>
+          <a:prstGeom prst="rect">
+            <a:avLst/>
+          </a:prstGeom>
+        </p:spPr>
+        <p:txBody>
+          <a:bodyPr/>
+          <a:lstStyle/>
+          <a:p>
+            <a:endParaRPr lang="en-US" dirty="0"/>
+          </a:p>
+        </p:txBody>
+      </p:sp>
+      <p:sp>
+        <p:nvSpPr>
           <p:cNvPr id="3" name="Shape 1">
             <a:extLst>
               <a:ext uri="{FF2B5EF4-FFF2-40B4-BE49-F238E27FC236}">
@@ -1324,39 +1357,6 @@
               <a:rPr lang="en-US" dirty="0"/>
               <a:t>Two Column Layout</a:t>
             </a:r>
-          </a:p>
-        </p:txBody>
-      </p:sp>
-      <p:sp>
-        <p:nvSpPr>
-          <p:cNvPr id="10" name="Picture Placeholder 13">
-            <a:extLst>
-              <a:ext uri="{FF2B5EF4-FFF2-40B4-BE49-F238E27FC236}">
-                <a16:creationId xmlns:a16="http://schemas.microsoft.com/office/drawing/2014/main" id="{6A0FA445-7602-F06E-EC73-5504EBF827CC}"/>
-              </a:ext>
-            </a:extLst>
-          </p:cNvPr>
-          <p:cNvSpPr>
-            <a:spLocks noGrp="1"/>
-          </p:cNvSpPr>
-          <p:nvPr>
-            <p:ph type="pic" sz="quarter" idx="14"/>
-          </p:nvPr>
-        </p:nvSpPr>
-        <p:spPr>
-          <a:xfrm>
-            <a:off x="313592" y="4536078"/>
-            <a:ext cx="2121877" cy="529698"/>
-          </a:xfrm>
-          <a:prstGeom prst="rect">
-            <a:avLst/>
-          </a:prstGeom>
-        </p:spPr>
-        <p:txBody>
-          <a:bodyPr/>
-          <a:lstStyle/>
-          <a:p>
-            <a:endParaRPr lang="en-US" dirty="0"/>
           </a:p>
         </p:txBody>
       </p:sp>
@@ -1604,6 +1604,39 @@
       </p:grpSpPr>
       <p:sp>
         <p:nvSpPr>
+          <p:cNvPr id="12" name="Picture Placeholder 13">
+            <a:extLst>
+              <a:ext uri="{FF2B5EF4-FFF2-40B4-BE49-F238E27FC236}">
+                <a16:creationId xmlns:a16="http://schemas.microsoft.com/office/drawing/2014/main" id="{2DB97592-C4D5-B315-7F11-AA14F6EE8A62}"/>
+              </a:ext>
+            </a:extLst>
+          </p:cNvPr>
+          <p:cNvSpPr>
+            <a:spLocks noGrp="1"/>
+          </p:cNvSpPr>
+          <p:nvPr>
+            <p:ph type="pic" sz="quarter" idx="13"/>
+          </p:nvPr>
+        </p:nvSpPr>
+        <p:spPr>
+          <a:xfrm>
+            <a:off x="313592" y="4536078"/>
+            <a:ext cx="2126273" cy="529698"/>
+          </a:xfrm>
+          <a:prstGeom prst="rect">
+            <a:avLst/>
+          </a:prstGeom>
+        </p:spPr>
+        <p:txBody>
+          <a:bodyPr/>
+          <a:lstStyle/>
+          <a:p>
+            <a:endParaRPr lang="en-US" dirty="0"/>
+          </a:p>
+        </p:txBody>
+      </p:sp>
+      <p:sp>
+        <p:nvSpPr>
           <p:cNvPr id="3" name="Shape 1">
             <a:extLst>
               <a:ext uri="{FF2B5EF4-FFF2-40B4-BE49-F238E27FC236}">
@@ -1719,39 +1752,6 @@
           </a:p>
           <a:p>
             <a:pPr lvl="0"/>
-            <a:endParaRPr lang="en-US" dirty="0"/>
-          </a:p>
-        </p:txBody>
-      </p:sp>
-      <p:sp>
-        <p:nvSpPr>
-          <p:cNvPr id="12" name="Picture Placeholder 13">
-            <a:extLst>
-              <a:ext uri="{FF2B5EF4-FFF2-40B4-BE49-F238E27FC236}">
-                <a16:creationId xmlns:a16="http://schemas.microsoft.com/office/drawing/2014/main" id="{2DB97592-C4D5-B315-7F11-AA14F6EE8A62}"/>
-              </a:ext>
-            </a:extLst>
-          </p:cNvPr>
-          <p:cNvSpPr>
-            <a:spLocks noGrp="1"/>
-          </p:cNvSpPr>
-          <p:nvPr>
-            <p:ph type="pic" sz="quarter" idx="13"/>
-          </p:nvPr>
-        </p:nvSpPr>
-        <p:spPr>
-          <a:xfrm>
-            <a:off x="313592" y="4536078"/>
-            <a:ext cx="2126273" cy="529698"/>
-          </a:xfrm>
-          <a:prstGeom prst="rect">
-            <a:avLst/>
-          </a:prstGeom>
-        </p:spPr>
-        <p:txBody>
-          <a:bodyPr/>
-          <a:lstStyle/>
-          <a:p>
             <a:endParaRPr lang="en-US" dirty="0"/>
           </a:p>
         </p:txBody>
@@ -1863,6 +1863,39 @@
       </p:grpSpPr>
       <p:sp>
         <p:nvSpPr>
+          <p:cNvPr id="10" name="Picture Placeholder 13">
+            <a:extLst>
+              <a:ext uri="{FF2B5EF4-FFF2-40B4-BE49-F238E27FC236}">
+                <a16:creationId xmlns:a16="http://schemas.microsoft.com/office/drawing/2014/main" id="{6A0FA445-7602-F06E-EC73-5504EBF827CC}"/>
+              </a:ext>
+            </a:extLst>
+          </p:cNvPr>
+          <p:cNvSpPr>
+            <a:spLocks noGrp="1"/>
+          </p:cNvSpPr>
+          <p:nvPr>
+            <p:ph type="pic" sz="quarter" idx="14"/>
+          </p:nvPr>
+        </p:nvSpPr>
+        <p:spPr>
+          <a:xfrm>
+            <a:off x="313592" y="4536078"/>
+            <a:ext cx="2130670" cy="529698"/>
+          </a:xfrm>
+          <a:prstGeom prst="rect">
+            <a:avLst/>
+          </a:prstGeom>
+        </p:spPr>
+        <p:txBody>
+          <a:bodyPr/>
+          <a:lstStyle/>
+          <a:p>
+            <a:endParaRPr lang="en-US" dirty="0"/>
+          </a:p>
+        </p:txBody>
+      </p:sp>
+      <p:sp>
+        <p:nvSpPr>
           <p:cNvPr id="3" name="Shape 1">
             <a:extLst>
               <a:ext uri="{FF2B5EF4-FFF2-40B4-BE49-F238E27FC236}">
@@ -1952,39 +1985,6 @@
               <a:rPr lang="en-US" dirty="0"/>
               <a:t>Visual Content</a:t>
             </a:r>
-          </a:p>
-        </p:txBody>
-      </p:sp>
-      <p:sp>
-        <p:nvSpPr>
-          <p:cNvPr id="10" name="Picture Placeholder 13">
-            <a:extLst>
-              <a:ext uri="{FF2B5EF4-FFF2-40B4-BE49-F238E27FC236}">
-                <a16:creationId xmlns:a16="http://schemas.microsoft.com/office/drawing/2014/main" id="{6A0FA445-7602-F06E-EC73-5504EBF827CC}"/>
-              </a:ext>
-            </a:extLst>
-          </p:cNvPr>
-          <p:cNvSpPr>
-            <a:spLocks noGrp="1"/>
-          </p:cNvSpPr>
-          <p:nvPr>
-            <p:ph type="pic" sz="quarter" idx="14"/>
-          </p:nvPr>
-        </p:nvSpPr>
-        <p:spPr>
-          <a:xfrm>
-            <a:off x="313592" y="4536078"/>
-            <a:ext cx="2130670" cy="529698"/>
-          </a:xfrm>
-          <a:prstGeom prst="rect">
-            <a:avLst/>
-          </a:prstGeom>
-        </p:spPr>
-        <p:txBody>
-          <a:bodyPr/>
-          <a:lstStyle/>
-          <a:p>
-            <a:endParaRPr lang="en-US" dirty="0"/>
           </a:p>
         </p:txBody>
       </p:sp>
@@ -2180,6 +2180,39 @@
       </p:grpSpPr>
       <p:sp>
         <p:nvSpPr>
+          <p:cNvPr id="10" name="Picture Placeholder 13">
+            <a:extLst>
+              <a:ext uri="{FF2B5EF4-FFF2-40B4-BE49-F238E27FC236}">
+                <a16:creationId xmlns:a16="http://schemas.microsoft.com/office/drawing/2014/main" id="{6A0FA445-7602-F06E-EC73-5504EBF827CC}"/>
+              </a:ext>
+            </a:extLst>
+          </p:cNvPr>
+          <p:cNvSpPr>
+            <a:spLocks noGrp="1"/>
+          </p:cNvSpPr>
+          <p:nvPr>
+            <p:ph type="pic" sz="quarter" idx="14"/>
+          </p:nvPr>
+        </p:nvSpPr>
+        <p:spPr>
+          <a:xfrm>
+            <a:off x="313592" y="4536078"/>
+            <a:ext cx="2104294" cy="529698"/>
+          </a:xfrm>
+          <a:prstGeom prst="rect">
+            <a:avLst/>
+          </a:prstGeom>
+        </p:spPr>
+        <p:txBody>
+          <a:bodyPr/>
+          <a:lstStyle/>
+          <a:p>
+            <a:endParaRPr lang="en-US" dirty="0"/>
+          </a:p>
+        </p:txBody>
+      </p:sp>
+      <p:sp>
+        <p:nvSpPr>
           <p:cNvPr id="3" name="Shape 1">
             <a:extLst>
               <a:ext uri="{FF2B5EF4-FFF2-40B4-BE49-F238E27FC236}">
@@ -2269,39 +2302,6 @@
               <a:rPr lang="en-US" dirty="0"/>
               <a:t>Data Visualization</a:t>
             </a:r>
-          </a:p>
-        </p:txBody>
-      </p:sp>
-      <p:sp>
-        <p:nvSpPr>
-          <p:cNvPr id="10" name="Picture Placeholder 13">
-            <a:extLst>
-              <a:ext uri="{FF2B5EF4-FFF2-40B4-BE49-F238E27FC236}">
-                <a16:creationId xmlns:a16="http://schemas.microsoft.com/office/drawing/2014/main" id="{6A0FA445-7602-F06E-EC73-5504EBF827CC}"/>
-              </a:ext>
-            </a:extLst>
-          </p:cNvPr>
-          <p:cNvSpPr>
-            <a:spLocks noGrp="1"/>
-          </p:cNvSpPr>
-          <p:nvPr>
-            <p:ph type="pic" sz="quarter" idx="14"/>
-          </p:nvPr>
-        </p:nvSpPr>
-        <p:spPr>
-          <a:xfrm>
-            <a:off x="313592" y="4536078"/>
-            <a:ext cx="2104294" cy="529698"/>
-          </a:xfrm>
-          <a:prstGeom prst="rect">
-            <a:avLst/>
-          </a:prstGeom>
-        </p:spPr>
-        <p:txBody>
-          <a:bodyPr/>
-          <a:lstStyle/>
-          <a:p>
-            <a:endParaRPr lang="en-US" dirty="0"/>
           </a:p>
         </p:txBody>
       </p:sp>
@@ -3423,7 +3423,7 @@
       <p:grpSpPr/>
       <p:sp>
         <p:nvSpPr>
-          <p:cNvPr id="2" name="Text Placeholder 1"/>
+          <p:cNvPr id="3" name="Text Placeholder 2"/>
           <p:cNvSpPr>
             <a:spLocks noGrp="1"/>
           </p:cNvSpPr>
@@ -3727,7 +3727,7 @@
       <p:grpSpPr/>
       <p:sp>
         <p:nvSpPr>
-          <p:cNvPr id="2" name="Text Placeholder 1"/>
+          <p:cNvPr id="3" name="Text Placeholder 2"/>
           <p:cNvSpPr>
             <a:spLocks noGrp="1"/>
           </p:cNvSpPr>
@@ -3902,7 +3902,7 @@
       <p:grpSpPr/>
       <p:sp>
         <p:nvSpPr>
-          <p:cNvPr id="2" name="Text Placeholder 1"/>
+          <p:cNvPr id="3" name="Text Placeholder 2"/>
           <p:cNvSpPr>
             <a:spLocks noGrp="1"/>
           </p:cNvSpPr>
@@ -4780,7 +4780,7 @@
       <p:grpSpPr/>
       <p:sp>
         <p:nvSpPr>
-          <p:cNvPr id="2" name="Text Placeholder 1"/>
+          <p:cNvPr id="3" name="Text Placeholder 2"/>
           <p:cNvSpPr>
             <a:spLocks noGrp="1"/>
           </p:cNvSpPr>
@@ -4818,7 +4818,7 @@
             <a:pPr/>
             <a:r>
               <a:rPr b="1"/>
-              <a:t>Organization Foundation</a:t>
+              <a:t>Platform Foundation</a:t>
             </a:r>
           </a:p>
           <a:p>
@@ -4830,63 +4830,38 @@
           <a:p>
             <a:pPr lvl="1"/>
             <a:r>
-              <a:t>Centralized billing with department chargeback and cost allocation labels</a:t>
+              <a:t>Cloud Foundation Toolkit Terraform modules for repeatable project provisioning</a:t>
             </a:r>
           </a:p>
           <a:p>
             <a:pPr lvl="1"/>
             <a:r>
-              <a:t>Cloud Foundation Toolkit Terraform modules for repeatable project provisioning</a:t>
+              <a:t>Centralized billing with department chargeback and cost allocation</a:t>
             </a:r>
           </a:p>
           <a:p>
             <a:pPr/>
             <a:r>
               <a:rPr b="1"/>
-              <a:t>Security and Compliance</a:t>
+              <a:t>Security and Network</a:t>
             </a:r>
           </a:p>
           <a:p>
             <a:pPr lvl="1"/>
             <a:r>
-              <a:t>Security Command Center Premium for continuous threat detection and compliance monitoring</a:t>
+              <a:t>Security Command Center Premium for continuous threat detection and monitoring</a:t>
             </a:r>
           </a:p>
           <a:p>
             <a:pPr lvl="1"/>
             <a:r>
-              <a:t>Chronicle SIEM integration for advanced security analytics and incident response</a:t>
+              <a:t>Shared VPC hub-spoke architecture with centralized internet egress</a:t>
             </a:r>
           </a:p>
           <a:p>
             <a:pPr lvl="1"/>
             <a:r>
-              <a:t>Cloud Armor, Cloud IDS, and VPC Service Controls for defense-in-depth security</a:t>
-            </a:r>
-          </a:p>
-          <a:p>
-            <a:pPr/>
-            <a:r>
-              <a:rPr b="1"/>
-              <a:t>Network and Connectivity</a:t>
-            </a:r>
-          </a:p>
-          <a:p>
-            <a:pPr lvl="1"/>
-            <a:r>
-              <a:t>Shared VPC hub-spoke architecture with centralized internet egress via Cloud NAT</a:t>
-            </a:r>
-          </a:p>
-          <a:p>
-            <a:pPr lvl="1"/>
-            <a:r>
-              <a:t>Dedicated Interconnect 10 Gbps for low-latency hybrid connectivity to on-premises</a:t>
-            </a:r>
-          </a:p>
-          <a:p>
-            <a:pPr lvl="1"/>
-            <a:r>
-              <a:t>Cloud DNS private zones and VPC Flow Logs for visibility and control</a:t>
+              <a:t>Dedicated Interconnect 10 Gbps for low-latency hybrid connectivity</a:t>
             </a:r>
           </a:p>
         </p:txBody>
@@ -4994,7 +4969,7 @@
       <p:grpSpPr/>
       <p:sp>
         <p:nvSpPr>
-          <p:cNvPr id="2" name="Text Placeholder 1"/>
+          <p:cNvPr id="3" name="Text Placeholder 2"/>
           <p:cNvSpPr>
             <a:spLocks noGrp="1"/>
           </p:cNvSpPr>
@@ -5178,7 +5153,7 @@
       <p:grpSpPr/>
       <p:sp>
         <p:nvSpPr>
-          <p:cNvPr id="2" name="Text Placeholder 1"/>
+          <p:cNvPr id="3" name="Text Placeholder 2"/>
           <p:cNvSpPr>
             <a:spLocks noGrp="1"/>
           </p:cNvSpPr>
@@ -5597,7 +5572,7 @@
       <p:grpSpPr/>
       <p:sp>
         <p:nvSpPr>
-          <p:cNvPr id="2" name="Text Placeholder 1"/>
+          <p:cNvPr id="3" name="Text Placeholder 2"/>
           <p:cNvSpPr>
             <a:spLocks noGrp="1"/>
           </p:cNvSpPr>
@@ -5770,7 +5745,7 @@
       <p:grpSpPr/>
       <p:sp>
         <p:nvSpPr>
-          <p:cNvPr id="2" name="Text Placeholder 1"/>
+          <p:cNvPr id="3" name="Text Placeholder 2"/>
           <p:cNvSpPr>
             <a:spLocks noGrp="1"/>
           </p:cNvSpPr>
@@ -5957,7 +5932,7 @@
       <p:grpSpPr/>
       <p:sp>
         <p:nvSpPr>
-          <p:cNvPr id="2" name="Text Placeholder 1"/>
+          <p:cNvPr id="3" name="Text Placeholder 2"/>
           <p:cNvSpPr>
             <a:spLocks noGrp="1"/>
           </p:cNvSpPr>

--- a/solutions/google/cloud/landing-zone/presales/solution-briefing.pptx
+++ b/solutions/google/cloud/landing-zone/presales/solution-briefing.pptx
@@ -3326,7 +3326,7 @@
           <a:lstStyle/>
           <a:p>
             <a:r>
-              <a:t>['Presenter Name'] | November 22, 2025</a:t>
+              <a:t>['Presenter Name'] | November 24, 2025</a:t>
             </a:r>
           </a:p>
         </p:txBody>
@@ -6155,41 +6155,7 @@
                     <a:p>
                       <a:r>
                         <a:rPr sz="1100"/>
-                        <a:t>$65,000</a:t>
-                      </a:r>
-                    </a:p>
-                  </a:txBody>
-                  <a:tcPr>
-                    <a:solidFill>
-                      <a:srgbClr val="E7E6E6"/>
-                    </a:solidFill>
-                  </a:tcPr>
-                </a:tc>
-                <a:tc>
-                  <a:txBody>
-                    <a:bodyPr/>
-                    <a:lstStyle/>
-                    <a:p>
-                      <a:r>
-                        <a:rPr sz="1100"/>
-                        <a:t>($5,000)</a:t>
-                      </a:r>
-                    </a:p>
-                  </a:txBody>
-                  <a:tcPr>
-                    <a:solidFill>
-                      <a:srgbClr val="E7E6E6"/>
-                    </a:solidFill>
-                  </a:tcPr>
-                </a:tc>
-                <a:tc>
-                  <a:txBody>
-                    <a:bodyPr/>
-                    <a:lstStyle/>
-                    <a:p>
-                      <a:r>
-                        <a:rPr sz="1100"/>
-                        <a:t>$60,000</a:t>
+                        <a:t>$0</a:t>
                       </a:r>
                     </a:p>
                   </a:txBody>
@@ -6240,7 +6206,41 @@
                     <a:p>
                       <a:r>
                         <a:rPr sz="1100"/>
-                        <a:t>$60,000</a:t>
+                        <a:t>$0</a:t>
+                      </a:r>
+                    </a:p>
+                  </a:txBody>
+                  <a:tcPr>
+                    <a:solidFill>
+                      <a:srgbClr val="E7E6E6"/>
+                    </a:solidFill>
+                  </a:tcPr>
+                </a:tc>
+                <a:tc>
+                  <a:txBody>
+                    <a:bodyPr/>
+                    <a:lstStyle/>
+                    <a:p>
+                      <a:r>
+                        <a:rPr sz="1100"/>
+                        <a:t>$0</a:t>
+                      </a:r>
+                    </a:p>
+                  </a:txBody>
+                  <a:tcPr>
+                    <a:solidFill>
+                      <a:srgbClr val="E7E6E6"/>
+                    </a:solidFill>
+                  </a:tcPr>
+                </a:tc>
+                <a:tc>
+                  <a:txBody>
+                    <a:bodyPr/>
+                    <a:lstStyle/>
+                    <a:p>
+                      <a:r>
+                        <a:rPr sz="1100"/>
+                        <a:t>$0</a:t>
                       </a:r>
                     </a:p>
                   </a:txBody>
@@ -6259,7 +6259,7 @@
                     <a:p>
                       <a:r>
                         <a:rPr sz="1100"/>
-                        <a:t>Cloud Infrastructure</a:t>
+                        <a:t>Cloud Services</a:t>
                       </a:r>
                     </a:p>
                   </a:txBody>
@@ -6639,7 +6639,7 @@
                     <a:p>
                       <a:r>
                         <a:rPr b="1" sz="1100"/>
-                        <a:t>$180,948</a:t>
+                        <a:t>$115,948</a:t>
                       </a:r>
                     </a:p>
                   </a:txBody>
@@ -6656,7 +6656,7 @@
                     <a:p>
                       <a:r>
                         <a:rPr b="1" sz="1100"/>
-                        <a:t>($15,000)</a:t>
+                        <a:t>($10,000)</a:t>
                       </a:r>
                     </a:p>
                   </a:txBody>
@@ -6673,7 +6673,7 @@
                     <a:p>
                       <a:r>
                         <a:rPr b="1" sz="1100"/>
-                        <a:t>$165,948</a:t>
+                        <a:t>$105,948</a:t>
                       </a:r>
                     </a:p>
                   </a:txBody>
@@ -6724,7 +6724,7 @@
                     <a:p>
                       <a:r>
                         <a:rPr b="1" sz="1100"/>
-                        <a:t>$404,223</a:t>
+                        <a:t>$344,223</a:t>
                       </a:r>
                     </a:p>
                   </a:txBody>
